--- a/my_presentation.pptx
+++ b/my_presentation.pptx
@@ -2959,7 +2959,11 @@
           <a:bodyPr/>
           <a:lstStyle/>
           <a:p>
-            <a:endParaRPr lang="en-US"/>
+            <a:r>
+              <a:rPr lang="en-IN" altLang="en-US"/>
+              <a:t>renamed filees</a:t>
+            </a:r>
+            <a:endParaRPr lang="en-IN" altLang="en-US"/>
           </a:p>
         </p:txBody>
       </p:sp>
